--- a/Mybatis流程.pptx
+++ b/Mybatis流程.pptx
@@ -8,8 +8,8 @@
     <p:sldId id="256" r:id="rId2"/>
     <p:sldId id="260" r:id="rId3"/>
     <p:sldId id="259" r:id="rId4"/>
-    <p:sldId id="257" r:id="rId5"/>
-    <p:sldId id="258" r:id="rId6"/>
+    <p:sldId id="258" r:id="rId5"/>
+    <p:sldId id="263" r:id="rId6"/>
     <p:sldId id="261" r:id="rId7"/>
     <p:sldId id="262" r:id="rId8"/>
   </p:sldIdLst>
@@ -112,7 +112,7 @@
   </p:defaultTextStyle>
   <p:extLst>
     <p:ext uri="{EFAFB233-063F-42B5-8137-9DF3F51BA10A}">
-      <p15:sldGuideLst xmlns:p15="http://schemas.microsoft.com/office/powerpoint/2012/main"/>
+      <p15:sldGuideLst xmlns="" xmlns:p15="http://schemas.microsoft.com/office/powerpoint/2012/main"/>
     </p:ext>
   </p:extLst>
 </p:presentation>
@@ -249,7 +249,7 @@
           <a:p>
             <a:fld id="{05EA976F-0BB7-49DC-81B3-20B2445FC5D9}" type="datetimeFigureOut">
               <a:rPr lang="zh-CN" altLang="en-US" smtClean="0"/>
-              <a:t>2019/9/9</a:t>
+              <a:t>2019/9/14</a:t>
             </a:fld>
             <a:endParaRPr lang="zh-CN" altLang="en-US"/>
           </a:p>
@@ -419,7 +419,7 @@
           <a:p>
             <a:fld id="{05EA976F-0BB7-49DC-81B3-20B2445FC5D9}" type="datetimeFigureOut">
               <a:rPr lang="zh-CN" altLang="en-US" smtClean="0"/>
-              <a:t>2019/9/9</a:t>
+              <a:t>2019/9/14</a:t>
             </a:fld>
             <a:endParaRPr lang="zh-CN" altLang="en-US"/>
           </a:p>
@@ -599,7 +599,7 @@
           <a:p>
             <a:fld id="{05EA976F-0BB7-49DC-81B3-20B2445FC5D9}" type="datetimeFigureOut">
               <a:rPr lang="zh-CN" altLang="en-US" smtClean="0"/>
-              <a:t>2019/9/9</a:t>
+              <a:t>2019/9/14</a:t>
             </a:fld>
             <a:endParaRPr lang="zh-CN" altLang="en-US"/>
           </a:p>
@@ -769,7 +769,7 @@
           <a:p>
             <a:fld id="{05EA976F-0BB7-49DC-81B3-20B2445FC5D9}" type="datetimeFigureOut">
               <a:rPr lang="zh-CN" altLang="en-US" smtClean="0"/>
-              <a:t>2019/9/9</a:t>
+              <a:t>2019/9/14</a:t>
             </a:fld>
             <a:endParaRPr lang="zh-CN" altLang="en-US"/>
           </a:p>
@@ -1015,7 +1015,7 @@
           <a:p>
             <a:fld id="{05EA976F-0BB7-49DC-81B3-20B2445FC5D9}" type="datetimeFigureOut">
               <a:rPr lang="zh-CN" altLang="en-US" smtClean="0"/>
-              <a:t>2019/9/9</a:t>
+              <a:t>2019/9/14</a:t>
             </a:fld>
             <a:endParaRPr lang="zh-CN" altLang="en-US"/>
           </a:p>
@@ -1247,7 +1247,7 @@
           <a:p>
             <a:fld id="{05EA976F-0BB7-49DC-81B3-20B2445FC5D9}" type="datetimeFigureOut">
               <a:rPr lang="zh-CN" altLang="en-US" smtClean="0"/>
-              <a:t>2019/9/9</a:t>
+              <a:t>2019/9/14</a:t>
             </a:fld>
             <a:endParaRPr lang="zh-CN" altLang="en-US"/>
           </a:p>
@@ -1614,7 +1614,7 @@
           <a:p>
             <a:fld id="{05EA976F-0BB7-49DC-81B3-20B2445FC5D9}" type="datetimeFigureOut">
               <a:rPr lang="zh-CN" altLang="en-US" smtClean="0"/>
-              <a:t>2019/9/9</a:t>
+              <a:t>2019/9/14</a:t>
             </a:fld>
             <a:endParaRPr lang="zh-CN" altLang="en-US"/>
           </a:p>
@@ -1732,7 +1732,7 @@
           <a:p>
             <a:fld id="{05EA976F-0BB7-49DC-81B3-20B2445FC5D9}" type="datetimeFigureOut">
               <a:rPr lang="zh-CN" altLang="en-US" smtClean="0"/>
-              <a:t>2019/9/9</a:t>
+              <a:t>2019/9/14</a:t>
             </a:fld>
             <a:endParaRPr lang="zh-CN" altLang="en-US"/>
           </a:p>
@@ -1827,7 +1827,7 @@
           <a:p>
             <a:fld id="{05EA976F-0BB7-49DC-81B3-20B2445FC5D9}" type="datetimeFigureOut">
               <a:rPr lang="zh-CN" altLang="en-US" smtClean="0"/>
-              <a:t>2019/9/9</a:t>
+              <a:t>2019/9/14</a:t>
             </a:fld>
             <a:endParaRPr lang="zh-CN" altLang="en-US"/>
           </a:p>
@@ -2104,7 +2104,7 @@
           <a:p>
             <a:fld id="{05EA976F-0BB7-49DC-81B3-20B2445FC5D9}" type="datetimeFigureOut">
               <a:rPr lang="zh-CN" altLang="en-US" smtClean="0"/>
-              <a:t>2019/9/9</a:t>
+              <a:t>2019/9/14</a:t>
             </a:fld>
             <a:endParaRPr lang="zh-CN" altLang="en-US"/>
           </a:p>
@@ -2357,7 +2357,7 @@
           <a:p>
             <a:fld id="{05EA976F-0BB7-49DC-81B3-20B2445FC5D9}" type="datetimeFigureOut">
               <a:rPr lang="zh-CN" altLang="en-US" smtClean="0"/>
-              <a:t>2019/9/9</a:t>
+              <a:t>2019/9/14</a:t>
             </a:fld>
             <a:endParaRPr lang="zh-CN" altLang="en-US"/>
           </a:p>
@@ -2570,7 +2570,7 @@
           <a:p>
             <a:fld id="{05EA976F-0BB7-49DC-81B3-20B2445FC5D9}" type="datetimeFigureOut">
               <a:rPr lang="zh-CN" altLang="en-US" smtClean="0"/>
-              <a:t>2019/9/9</a:t>
+              <a:t>2019/9/14</a:t>
             </a:fld>
             <a:endParaRPr lang="zh-CN" altLang="en-US"/>
           </a:p>
@@ -3012,12 +3012,22 @@
             <p:ph type="subTitle" idx="1"/>
           </p:nvPr>
         </p:nvSpPr>
-        <p:spPr/>
-        <p:txBody>
-          <a:bodyPr/>
-          <a:lstStyle/>
-          <a:p>
-            <a:endParaRPr lang="zh-CN" altLang="en-US" dirty="0"/>
+        <p:spPr>
+          <a:xfrm>
+            <a:off x="1524000" y="3965330"/>
+            <a:ext cx="9144000" cy="1292469"/>
+          </a:xfrm>
+        </p:spPr>
+        <p:txBody>
+          <a:bodyPr>
+            <a:normAutofit/>
+          </a:bodyPr>
+          <a:lstStyle/>
+          <a:p>
+            <a:r>
+              <a:rPr lang="zh-CN" altLang="en-US" sz="3600" dirty="0"/>
+              <a:t>陈福海</a:t>
+            </a:r>
           </a:p>
         </p:txBody>
       </p:sp>
@@ -3072,7 +3082,7 @@
             </a:r>
             <a:r>
               <a:rPr lang="zh-CN" altLang="en-US" dirty="0"/>
-              <a:t>架構</a:t>
+              <a:t>架构</a:t>
             </a:r>
           </a:p>
         </p:txBody>
@@ -3260,149 +3270,435 @@
             <p:ph type="title"/>
           </p:nvPr>
         </p:nvSpPr>
-        <p:spPr/>
-        <p:txBody>
-          <a:bodyPr/>
-          <a:lstStyle/>
-          <a:p>
-            <a:r>
-              <a:rPr lang="en-US" altLang="zh-CN" dirty="0" smtClean="0"/>
-              <a:t>1</a:t>
-            </a:r>
-            <a:r>
-              <a:rPr lang="zh-CN" altLang="en-US" dirty="0"/>
-              <a:t>、</a:t>
-            </a:r>
-            <a:r>
-              <a:rPr lang="en-US" altLang="zh-CN" dirty="0"/>
+        <p:spPr>
+          <a:xfrm>
+            <a:off x="838200" y="365126"/>
+            <a:ext cx="10515600" cy="1103190"/>
+          </a:xfrm>
+        </p:spPr>
+        <p:txBody>
+          <a:bodyPr/>
+          <a:lstStyle/>
+          <a:p>
+            <a:r>
+              <a:rPr lang="zh-CN" altLang="en-US" dirty="0" smtClean="0"/>
+              <a:t>配置属性</a:t>
+            </a:r>
+            <a:endParaRPr lang="zh-CN" altLang="en-US" dirty="0"/>
+          </a:p>
+        </p:txBody>
+      </p:sp>
+      <p:sp>
+        <p:nvSpPr>
+          <p:cNvPr id="3" name="内容占位符 2"/>
+          <p:cNvSpPr>
+            <a:spLocks noGrp="1"/>
+          </p:cNvSpPr>
+          <p:nvPr>
+            <p:ph idx="1"/>
+          </p:nvPr>
+        </p:nvSpPr>
+        <p:spPr>
+          <a:xfrm>
+            <a:off x="838200" y="1512277"/>
+            <a:ext cx="10515600" cy="4664686"/>
+          </a:xfrm>
+        </p:spPr>
+        <p:txBody>
+          <a:bodyPr>
+            <a:noAutofit/>
+          </a:bodyPr>
+          <a:lstStyle/>
+          <a:p>
+            <a:pPr>
+              <a:lnSpc>
+                <a:spcPct val="150000"/>
+              </a:lnSpc>
+            </a:pPr>
+            <a:r>
+              <a:rPr lang="en-US" altLang="zh-CN" sz="1100" dirty="0"/>
               <a:t>configuration</a:t>
             </a:r>
             <a:r>
-              <a:rPr lang="zh-CN" altLang="en-US" dirty="0" smtClean="0"/>
-              <a:t>文件</a:t>
-            </a:r>
-            <a:endParaRPr lang="zh-CN" altLang="en-US" dirty="0"/>
-          </a:p>
-        </p:txBody>
-      </p:sp>
-      <p:sp>
-        <p:nvSpPr>
-          <p:cNvPr id="3" name="内容占位符 2"/>
-          <p:cNvSpPr>
-            <a:spLocks noGrp="1"/>
-          </p:cNvSpPr>
-          <p:nvPr>
-            <p:ph idx="1"/>
-          </p:nvPr>
-        </p:nvSpPr>
-        <p:spPr/>
-        <p:txBody>
-          <a:bodyPr>
-            <a:normAutofit fontScale="92500"/>
-          </a:bodyPr>
-          <a:lstStyle/>
-          <a:p>
-            <a:r>
-              <a:rPr lang="en-US" altLang="zh-CN" dirty="0" smtClean="0"/>
-              <a:t>Properties</a:t>
-            </a:r>
-            <a:endParaRPr lang="en-US" altLang="zh-CN" dirty="0"/>
-          </a:p>
-          <a:p>
-            <a:r>
-              <a:rPr lang="en-US" altLang="zh-CN" dirty="0"/>
-              <a:t> &lt;properties resource="</a:t>
-            </a:r>
-            <a:r>
-              <a:rPr lang="en-US" altLang="zh-CN" dirty="0" err="1"/>
-              <a:t>dbConfig.properties</a:t>
-            </a:r>
-            <a:r>
-              <a:rPr lang="en-US" altLang="zh-CN" dirty="0"/>
-              <a:t>"&gt;&lt;/properties&gt; </a:t>
-            </a:r>
-          </a:p>
-          <a:p>
-            <a:r>
-              <a:rPr lang="en-US" altLang="zh-CN" dirty="0"/>
-              <a:t>  &lt;!-- </a:t>
-            </a:r>
-            <a:r>
-              <a:rPr lang="zh-CN" altLang="en-US" dirty="0"/>
-              <a:t>方法二： 直接配置为</a:t>
-            </a:r>
-            <a:r>
-              <a:rPr lang="en-US" altLang="zh-CN" dirty="0"/>
-              <a:t>xml --&gt;</a:t>
-            </a:r>
-          </a:p>
-          <a:p>
-            <a:r>
-              <a:rPr lang="en-US" altLang="zh-CN" dirty="0"/>
-              <a:t>  &lt;properties&gt;</a:t>
-            </a:r>
-          </a:p>
-          <a:p>
-            <a:r>
-              <a:rPr lang="en-US" altLang="zh-CN" dirty="0"/>
-              <a:t>      &lt;property name="driver" value="</a:t>
-            </a:r>
-            <a:r>
-              <a:rPr lang="en-US" altLang="zh-CN" dirty="0" err="1"/>
-              <a:t>com.mysql.jdbc.Driver</a:t>
-            </a:r>
-            <a:r>
-              <a:rPr lang="en-US" altLang="zh-CN" dirty="0"/>
-              <a:t>"/&gt;</a:t>
-            </a:r>
-          </a:p>
-          <a:p>
-            <a:r>
-              <a:rPr lang="en-US" altLang="zh-CN" dirty="0"/>
-              <a:t>      &lt;property name="</a:t>
-            </a:r>
-            <a:r>
-              <a:rPr lang="en-US" altLang="zh-CN" dirty="0" err="1"/>
-              <a:t>url</a:t>
-            </a:r>
-            <a:r>
-              <a:rPr lang="en-US" altLang="zh-CN" dirty="0"/>
-              <a:t>" value="</a:t>
-            </a:r>
-            <a:r>
-              <a:rPr lang="en-US" altLang="zh-CN" dirty="0" err="1"/>
-              <a:t>jdbc:mysql</a:t>
-            </a:r>
-            <a:r>
-              <a:rPr lang="en-US" altLang="zh-CN" dirty="0"/>
-              <a:t>://localhost:3306/test1"/&gt;</a:t>
-            </a:r>
-          </a:p>
-          <a:p>
-            <a:r>
-              <a:rPr lang="en-US" altLang="zh-CN" dirty="0"/>
-              <a:t>      &lt;property name="username" value="root"/&gt;</a:t>
-            </a:r>
-          </a:p>
-          <a:p>
-            <a:r>
-              <a:rPr lang="en-US" altLang="zh-CN" dirty="0"/>
-              <a:t>      &lt;property name="password" value="root"/&gt;</a:t>
-            </a:r>
-          </a:p>
-          <a:p>
-            <a:r>
-              <a:rPr lang="en-US" altLang="zh-CN" dirty="0"/>
-              <a:t>  &lt;/properties&gt;</a:t>
-            </a:r>
-            <a:endParaRPr lang="en-US" altLang="zh-CN" dirty="0" smtClean="0"/>
+              <a:rPr lang="zh-CN" altLang="en-US" sz="1100" dirty="0"/>
+              <a:t>：包裹所有配置标签，是整个配置文件的顶级标签</a:t>
+            </a:r>
+            <a:r>
+              <a:rPr lang="zh-CN" altLang="en-US" sz="1100" dirty="0" smtClean="0"/>
+              <a:t>。</a:t>
+            </a:r>
+            <a:endParaRPr lang="en-US" altLang="zh-CN" sz="1100" dirty="0" smtClean="0"/>
+          </a:p>
+          <a:p>
+            <a:pPr>
+              <a:lnSpc>
+                <a:spcPct val="150000"/>
+              </a:lnSpc>
+            </a:pPr>
+            <a:r>
+              <a:rPr lang="en-US" altLang="zh-CN" sz="1100" dirty="0" smtClean="0"/>
+              <a:t>properties</a:t>
+            </a:r>
+            <a:r>
+              <a:rPr lang="zh-CN" altLang="en-US" sz="1100" dirty="0"/>
+              <a:t>：属性，该标签可以引入外部配置的属性，也可以自己配置。该配置标签所在的同一个配置文件中的其他配置均可引用此配置中的属性</a:t>
+            </a:r>
+            <a:r>
+              <a:rPr lang="zh-CN" altLang="en-US" sz="1100" dirty="0" smtClean="0"/>
+              <a:t>。</a:t>
+            </a:r>
+            <a:endParaRPr lang="en-US" altLang="zh-CN" sz="1100" dirty="0" smtClean="0"/>
+          </a:p>
+          <a:p>
+            <a:pPr>
+              <a:lnSpc>
+                <a:spcPct val="150000"/>
+              </a:lnSpc>
+            </a:pPr>
+            <a:r>
+              <a:rPr lang="en-US" altLang="zh-CN" sz="1100" dirty="0" smtClean="0"/>
+              <a:t>setting</a:t>
+            </a:r>
+            <a:r>
+              <a:rPr lang="zh-CN" altLang="en-US" sz="1100" dirty="0"/>
+              <a:t>：全局配置参数，用来配置一些改变运行时行为的信息，例如是否使用缓存机制，是否使用延迟加载，是否使用错误处理机制等。并且可以设置最大并发请求数量、最大并发事务数量，以及是否启用命令空间等</a:t>
+            </a:r>
+            <a:r>
+              <a:rPr lang="zh-CN" altLang="en-US" sz="1100" dirty="0" smtClean="0"/>
+              <a:t>。</a:t>
+            </a:r>
+            <a:endParaRPr lang="en-US" altLang="zh-CN" sz="1100" dirty="0" smtClean="0"/>
+          </a:p>
+          <a:p>
+            <a:pPr>
+              <a:lnSpc>
+                <a:spcPct val="150000"/>
+              </a:lnSpc>
+            </a:pPr>
+            <a:r>
+              <a:rPr lang="en-US" altLang="zh-CN" sz="1100" dirty="0" err="1" smtClean="0"/>
+              <a:t>typeAliases</a:t>
+            </a:r>
+            <a:r>
+              <a:rPr lang="zh-CN" altLang="en-US" sz="1100" dirty="0"/>
+              <a:t>：类型别名，用来设置一些别名来代替 </a:t>
+            </a:r>
+            <a:r>
+              <a:rPr lang="en-US" altLang="zh-CN" sz="1100" dirty="0"/>
+              <a:t>Java </a:t>
+            </a:r>
+            <a:r>
+              <a:rPr lang="zh-CN" altLang="en-US" sz="1100" dirty="0"/>
+              <a:t>的长类型声明，如 </a:t>
+            </a:r>
+            <a:r>
+              <a:rPr lang="en-US" altLang="zh-CN" sz="1100" dirty="0"/>
+              <a:t>java.lang.int </a:t>
+            </a:r>
+            <a:r>
+              <a:rPr lang="zh-CN" altLang="en-US" sz="1100" dirty="0"/>
+              <a:t>变为 </a:t>
+            </a:r>
+            <a:r>
+              <a:rPr lang="en-US" altLang="zh-CN" sz="1100" dirty="0" err="1"/>
+              <a:t>int</a:t>
+            </a:r>
+            <a:r>
+              <a:rPr lang="zh-CN" altLang="en-US" sz="1100" dirty="0"/>
+              <a:t>，减少配置编码的冗余</a:t>
+            </a:r>
+            <a:r>
+              <a:rPr lang="zh-CN" altLang="en-US" sz="1100" dirty="0" smtClean="0"/>
+              <a:t>。</a:t>
+            </a:r>
+            <a:endParaRPr lang="en-US" altLang="zh-CN" sz="1100" dirty="0" smtClean="0"/>
+          </a:p>
+          <a:p>
+            <a:pPr>
+              <a:lnSpc>
+                <a:spcPct val="150000"/>
+              </a:lnSpc>
+            </a:pPr>
+            <a:r>
+              <a:rPr lang="en-US" altLang="zh-CN" sz="1100" dirty="0" err="1" smtClean="0"/>
+              <a:t>typeHandlers</a:t>
+            </a:r>
+            <a:r>
+              <a:rPr lang="zh-CN" altLang="en-US" sz="1100" dirty="0"/>
+              <a:t>：类型处理器，将 </a:t>
+            </a:r>
+            <a:r>
+              <a:rPr lang="en-US" altLang="zh-CN" sz="1100" dirty="0" err="1"/>
+              <a:t>sql</a:t>
+            </a:r>
+            <a:r>
+              <a:rPr lang="en-US" altLang="zh-CN" sz="1100" dirty="0"/>
+              <a:t> </a:t>
+            </a:r>
+            <a:r>
+              <a:rPr lang="zh-CN" altLang="en-US" sz="1100" dirty="0"/>
+              <a:t>中返回的数据库类型转换为相应 </a:t>
+            </a:r>
+            <a:r>
+              <a:rPr lang="en-US" altLang="zh-CN" sz="1100" dirty="0"/>
+              <a:t>Java </a:t>
+            </a:r>
+            <a:r>
+              <a:rPr lang="zh-CN" altLang="en-US" sz="1100" dirty="0"/>
+              <a:t>类型的处理器配置</a:t>
+            </a:r>
+            <a:r>
+              <a:rPr lang="zh-CN" altLang="en-US" sz="1100" dirty="0" smtClean="0"/>
+              <a:t>。</a:t>
+            </a:r>
+            <a:endParaRPr lang="en-US" altLang="zh-CN" sz="1100" dirty="0" smtClean="0"/>
+          </a:p>
+          <a:p>
+            <a:pPr>
+              <a:lnSpc>
+                <a:spcPct val="150000"/>
+              </a:lnSpc>
+            </a:pPr>
+            <a:r>
+              <a:rPr lang="en-US" altLang="zh-CN" sz="1100" dirty="0" err="1" smtClean="0"/>
+              <a:t>objectFactory</a:t>
+            </a:r>
+            <a:r>
+              <a:rPr lang="zh-CN" altLang="en-US" sz="1100" dirty="0"/>
+              <a:t>：对象工厂，实例化目标类的工厂类配置</a:t>
+            </a:r>
+            <a:r>
+              <a:rPr lang="zh-CN" altLang="en-US" sz="1100" dirty="0" smtClean="0"/>
+              <a:t>。</a:t>
+            </a:r>
+            <a:endParaRPr lang="en-US" altLang="zh-CN" sz="1100" dirty="0" smtClean="0"/>
+          </a:p>
+          <a:p>
+            <a:pPr>
+              <a:lnSpc>
+                <a:spcPct val="150000"/>
+              </a:lnSpc>
+            </a:pPr>
+            <a:r>
+              <a:rPr lang="en-US" altLang="zh-CN" sz="1100" dirty="0" smtClean="0"/>
+              <a:t>plugins</a:t>
+            </a:r>
+            <a:r>
+              <a:rPr lang="zh-CN" altLang="en-US" sz="1100" dirty="0"/>
+              <a:t>：插件，可以通过插件修改 </a:t>
+            </a:r>
+            <a:r>
+              <a:rPr lang="en-US" altLang="zh-CN" sz="1100" dirty="0" err="1"/>
+              <a:t>MyBatis</a:t>
+            </a:r>
+            <a:r>
+              <a:rPr lang="en-US" altLang="zh-CN" sz="1100" dirty="0"/>
+              <a:t> </a:t>
+            </a:r>
+            <a:r>
+              <a:rPr lang="zh-CN" altLang="en-US" sz="1100" dirty="0"/>
+              <a:t>的核心行为，例如对语句执行的某一点进行拦截调用</a:t>
+            </a:r>
+            <a:r>
+              <a:rPr lang="zh-CN" altLang="en-US" sz="1100" dirty="0" smtClean="0"/>
+              <a:t>。</a:t>
+            </a:r>
+            <a:endParaRPr lang="en-US" altLang="zh-CN" sz="1100" dirty="0" smtClean="0"/>
+          </a:p>
+          <a:p>
+            <a:pPr>
+              <a:lnSpc>
+                <a:spcPct val="150000"/>
+              </a:lnSpc>
+            </a:pPr>
+            <a:r>
+              <a:rPr lang="en-US" altLang="zh-CN" sz="1100" dirty="0" smtClean="0"/>
+              <a:t>environments</a:t>
+            </a:r>
+            <a:r>
+              <a:rPr lang="zh-CN" altLang="en-US" sz="1100" dirty="0"/>
+              <a:t>：环境集合属性对象，数据库环境信息的集合。在一个配置文件中，可以有多种数据库环境集合，这样使 </a:t>
+            </a:r>
+            <a:r>
+              <a:rPr lang="en-US" altLang="zh-CN" sz="1100" dirty="0" err="1"/>
+              <a:t>MyBatis</a:t>
+            </a:r>
+            <a:r>
+              <a:rPr lang="en-US" altLang="zh-CN" sz="1100" dirty="0"/>
+              <a:t> </a:t>
+            </a:r>
+            <a:r>
+              <a:rPr lang="zh-CN" altLang="en-US" sz="1100" dirty="0"/>
+              <a:t>将 </a:t>
+            </a:r>
+            <a:r>
+              <a:rPr lang="en-US" altLang="zh-CN" sz="1100" dirty="0" err="1"/>
+              <a:t>sql</a:t>
+            </a:r>
+            <a:r>
+              <a:rPr lang="en-US" altLang="zh-CN" sz="1100" dirty="0"/>
+              <a:t> </a:t>
+            </a:r>
+            <a:r>
+              <a:rPr lang="zh-CN" altLang="en-US" sz="1100" dirty="0"/>
+              <a:t>同时映射至多个数据库</a:t>
+            </a:r>
+            <a:r>
+              <a:rPr lang="zh-CN" altLang="en-US" sz="1100" dirty="0" smtClean="0"/>
+              <a:t>。</a:t>
+            </a:r>
+            <a:endParaRPr lang="en-US" altLang="zh-CN" sz="1100" dirty="0" smtClean="0"/>
+          </a:p>
+          <a:p>
+            <a:pPr>
+              <a:lnSpc>
+                <a:spcPct val="150000"/>
+              </a:lnSpc>
+            </a:pPr>
+            <a:r>
+              <a:rPr lang="en-US" altLang="zh-CN" sz="1100" dirty="0" smtClean="0"/>
+              <a:t>environment</a:t>
+            </a:r>
+            <a:r>
+              <a:rPr lang="zh-CN" altLang="en-US" sz="1100" dirty="0"/>
+              <a:t>：环境子属性对象，数据库环境配置的详细配置</a:t>
+            </a:r>
+            <a:r>
+              <a:rPr lang="zh-CN" altLang="en-US" sz="1100" dirty="0" smtClean="0"/>
+              <a:t>。</a:t>
+            </a:r>
+            <a:endParaRPr lang="en-US" altLang="zh-CN" sz="1100" dirty="0" smtClean="0"/>
+          </a:p>
+          <a:p>
+            <a:pPr>
+              <a:lnSpc>
+                <a:spcPct val="150000"/>
+              </a:lnSpc>
+            </a:pPr>
+            <a:r>
+              <a:rPr lang="en-US" altLang="zh-CN" sz="1100" dirty="0" err="1" smtClean="0"/>
+              <a:t>transactionManager</a:t>
+            </a:r>
+            <a:r>
+              <a:rPr lang="zh-CN" altLang="en-US" sz="1100" dirty="0"/>
+              <a:t>：事务管理，指定 </a:t>
+            </a:r>
+            <a:r>
+              <a:rPr lang="en-US" altLang="zh-CN" sz="1100" dirty="0" err="1"/>
+              <a:t>MyBatis</a:t>
+            </a:r>
+            <a:r>
+              <a:rPr lang="en-US" altLang="zh-CN" sz="1100" dirty="0"/>
+              <a:t> </a:t>
+            </a:r>
+            <a:r>
+              <a:rPr lang="zh-CN" altLang="en-US" sz="1100" dirty="0"/>
+              <a:t>的事务管理器</a:t>
+            </a:r>
+            <a:r>
+              <a:rPr lang="zh-CN" altLang="en-US" sz="1100" dirty="0" smtClean="0"/>
+              <a:t>。</a:t>
+            </a:r>
+            <a:endParaRPr lang="en-US" altLang="zh-CN" sz="1100" dirty="0" smtClean="0"/>
+          </a:p>
+          <a:p>
+            <a:pPr>
+              <a:lnSpc>
+                <a:spcPct val="150000"/>
+              </a:lnSpc>
+            </a:pPr>
+            <a:r>
+              <a:rPr lang="en-US" altLang="zh-CN" sz="1100" dirty="0" err="1" smtClean="0"/>
+              <a:t>dataSource</a:t>
+            </a:r>
+            <a:r>
+              <a:rPr lang="zh-CN" altLang="en-US" sz="1100" dirty="0"/>
+              <a:t>：数据源，使其中的 </a:t>
+            </a:r>
+            <a:r>
+              <a:rPr lang="en-US" altLang="zh-CN" sz="1100" dirty="0"/>
+              <a:t>type </a:t>
+            </a:r>
+            <a:r>
+              <a:rPr lang="zh-CN" altLang="en-US" sz="1100" dirty="0"/>
+              <a:t>指定数据源的连接类型，在标签对中可以使用 </a:t>
+            </a:r>
+            <a:r>
+              <a:rPr lang="en-US" altLang="zh-CN" sz="1100" dirty="0"/>
+              <a:t>property </a:t>
+            </a:r>
+            <a:r>
+              <a:rPr lang="zh-CN" altLang="en-US" sz="1100" dirty="0"/>
+              <a:t>属性指定数据库连接池的其他信息</a:t>
+            </a:r>
+            <a:r>
+              <a:rPr lang="zh-CN" altLang="en-US" sz="1100" dirty="0" smtClean="0"/>
+              <a:t>。</a:t>
+            </a:r>
+            <a:endParaRPr lang="en-US" altLang="zh-CN" sz="1100" dirty="0" smtClean="0"/>
+          </a:p>
+          <a:p>
+            <a:pPr>
+              <a:lnSpc>
+                <a:spcPct val="150000"/>
+              </a:lnSpc>
+            </a:pPr>
+            <a:r>
+              <a:rPr lang="en-US" altLang="zh-CN" sz="1100" dirty="0" smtClean="0"/>
+              <a:t>mappers</a:t>
+            </a:r>
+            <a:r>
+              <a:rPr lang="zh-CN" altLang="en-US" sz="1100" dirty="0"/>
+              <a:t>：映射器，配置 </a:t>
+            </a:r>
+            <a:r>
+              <a:rPr lang="en-US" altLang="zh-CN" sz="1100" dirty="0" err="1"/>
+              <a:t>sql</a:t>
+            </a:r>
+            <a:r>
+              <a:rPr lang="en-US" altLang="zh-CN" sz="1100" dirty="0"/>
+              <a:t> </a:t>
+            </a:r>
+            <a:r>
+              <a:rPr lang="zh-CN" altLang="en-US" sz="1100" dirty="0"/>
+              <a:t>映射文件的位置，告知 </a:t>
+            </a:r>
+            <a:r>
+              <a:rPr lang="en-US" altLang="zh-CN" sz="1100" dirty="0" err="1"/>
+              <a:t>MyBatis</a:t>
+            </a:r>
+            <a:r>
+              <a:rPr lang="en-US" altLang="zh-CN" sz="1100" dirty="0"/>
+              <a:t> </a:t>
+            </a:r>
+            <a:r>
+              <a:rPr lang="zh-CN" altLang="en-US" sz="1100" dirty="0"/>
+              <a:t>去哪里加载 </a:t>
+            </a:r>
+            <a:r>
+              <a:rPr lang="en-US" altLang="zh-CN" sz="1100" dirty="0" err="1"/>
+              <a:t>sql</a:t>
+            </a:r>
+            <a:r>
+              <a:rPr lang="en-US" altLang="zh-CN" sz="1100" dirty="0"/>
+              <a:t> </a:t>
+            </a:r>
+            <a:r>
+              <a:rPr lang="zh-CN" altLang="en-US" sz="1100" dirty="0"/>
+              <a:t>映射配置</a:t>
+            </a:r>
+            <a:r>
+              <a:rPr lang="zh-CN" altLang="en-US" sz="1100" dirty="0" smtClean="0"/>
+              <a:t>。</a:t>
+            </a:r>
+            <a:endParaRPr lang="zh-CN" altLang="en-US" sz="1100" dirty="0"/>
           </a:p>
         </p:txBody>
       </p:sp>
     </p:spTree>
     <p:extLst>
       <p:ext uri="{BB962C8B-B14F-4D97-AF65-F5344CB8AC3E}">
-        <p14:creationId xmlns:p14="http://schemas.microsoft.com/office/powerpoint/2010/main" val="1146381191"/>
+        <p14:creationId xmlns:p14="http://schemas.microsoft.com/office/powerpoint/2010/main" val="3530767745"/>
       </p:ext>
     </p:extLst>
   </p:cSld>
@@ -3445,43 +3741,107 @@
           <a:lstStyle/>
           <a:p>
             <a:r>
+              <a:rPr lang="zh-CN" altLang="en-US" dirty="0"/>
+              <a:t>解析</a:t>
+            </a:r>
+            <a:r>
               <a:rPr lang="en-US" altLang="zh-CN" dirty="0" smtClean="0"/>
-              <a:t>environments</a:t>
-            </a:r>
+              <a:t>CRUD</a:t>
+            </a:r>
+            <a:r>
+              <a:rPr lang="zh-CN" altLang="en-US" dirty="0"/>
+              <a:t>流程</a:t>
+            </a:r>
+          </a:p>
+        </p:txBody>
+      </p:sp>
+      <p:sp>
+        <p:nvSpPr>
+          <p:cNvPr id="3" name="内容占位符 2"/>
+          <p:cNvSpPr>
+            <a:spLocks noGrp="1"/>
+          </p:cNvSpPr>
+          <p:nvPr>
+            <p:ph idx="1"/>
+          </p:nvPr>
+        </p:nvSpPr>
+        <p:spPr/>
+        <p:txBody>
+          <a:bodyPr/>
+          <a:lstStyle/>
+          <a:p>
             <a:endParaRPr lang="zh-CN" altLang="en-US" dirty="0"/>
           </a:p>
         </p:txBody>
       </p:sp>
       <p:pic>
         <p:nvPicPr>
-          <p:cNvPr id="6" name="内容占位符 5"/>
+          <p:cNvPr id="1027" name="Picture 3"/>
           <p:cNvPicPr>
-            <a:picLocks noGrp="1" noChangeAspect="1"/>
+            <a:picLocks noChangeAspect="1" noChangeArrowheads="1"/>
           </p:cNvPicPr>
-          <p:nvPr>
-            <p:ph idx="1"/>
-          </p:nvPr>
+          <p:nvPr/>
         </p:nvPicPr>
         <p:blipFill>
-          <a:blip r:embed="rId2"/>
+          <a:blip r:embed="rId2">
+            <a:extLst>
+              <a:ext uri="{28A0092B-C50C-407E-A947-70E740481C1C}">
+                <a14:useLocalDpi xmlns:a14="http://schemas.microsoft.com/office/drawing/2010/main" val="0"/>
+              </a:ext>
+            </a:extLst>
+          </a:blip>
+          <a:srcRect/>
           <a:stretch>
             <a:fillRect/>
           </a:stretch>
         </p:blipFill>
-        <p:spPr>
+        <p:spPr bwMode="auto">
           <a:xfrm>
-            <a:off x="838200" y="1690688"/>
-            <a:ext cx="5908658" cy="4351338"/>
+            <a:off x="413239" y="1556238"/>
+            <a:ext cx="11289322" cy="4835769"/>
           </a:xfrm>
           <a:prstGeom prst="rect">
             <a:avLst/>
           </a:prstGeom>
+          <a:noFill/>
+          <a:ln>
+            <a:noFill/>
+          </a:ln>
+          <a:effectLst/>
+          <a:extLst>
+            <a:ext uri="{909E8E84-426E-40DD-AFC4-6F175D3DCCD1}">
+              <a14:hiddenFill xmlns:a14="http://schemas.microsoft.com/office/drawing/2010/main">
+                <a:solidFill>
+                  <a:schemeClr val="accent1"/>
+                </a:solidFill>
+              </a14:hiddenFill>
+            </a:ext>
+            <a:ext uri="{91240B29-F687-4F45-9708-019B960494DF}">
+              <a14:hiddenLine xmlns:a14="http://schemas.microsoft.com/office/drawing/2010/main" w="9525">
+                <a:solidFill>
+                  <a:schemeClr val="tx1"/>
+                </a:solidFill>
+                <a:miter lim="800000"/>
+                <a:headEnd/>
+                <a:tailEnd/>
+              </a14:hiddenLine>
+            </a:ext>
+            <a:ext uri="{AF507438-7753-43E0-B8FC-AC1667EBCBE1}">
+              <a14:hiddenEffects xmlns:a14="http://schemas.microsoft.com/office/drawing/2010/main">
+                <a:effectLst>
+                  <a:outerShdw dist="35921" dir="2700000" algn="ctr" rotWithShape="0">
+                    <a:schemeClr val="bg2"/>
+                  </a:outerShdw>
+                </a:effectLst>
+              </a14:hiddenEffects>
+            </a:ext>
+          </a:extLst>
         </p:spPr>
       </p:pic>
     </p:spTree>
     <p:extLst>
       <p:ext uri="{BB962C8B-B14F-4D97-AF65-F5344CB8AC3E}">
-        <p14:creationId xmlns:p14="http://schemas.microsoft.com/office/powerpoint/2010/main" val="3530767745"/>
+        <p14:creationId xmlns:p14="http://schemas.microsoft.com/office/powerpoint/2010/main" val="1853400119"/>
       </p:ext>
     </p:extLst>
   </p:cSld>
@@ -3713,7 +4073,7 @@
     </a:clrScheme>
     <a:fontScheme name="Office">
       <a:majorFont>
-        <a:latin typeface="等线 Light" panose="020F0302020204030204"/>
+        <a:latin typeface="等线 Light"/>
         <a:ea typeface=""/>
         <a:cs typeface=""/>
         <a:font script="Jpan" typeface="游ゴシック Light"/>
@@ -3748,7 +4108,7 @@
         <a:font script="Geor" typeface="Sylfaen"/>
       </a:majorFont>
       <a:minorFont>
-        <a:latin typeface="等线" panose="020F0502020204030204"/>
+        <a:latin typeface="等线"/>
         <a:ea typeface=""/>
         <a:cs typeface=""/>
         <a:font script="Jpan" typeface="游ゴシック"/>
@@ -3925,7 +4285,7 @@
   <a:extraClrSchemeLst/>
   <a:extLst>
     <a:ext uri="{05A4C25C-085E-4340-85A3-A5531E510DB2}">
-      <thm15:themeFamily xmlns:thm15="http://schemas.microsoft.com/office/thememl/2012/main" name="Office Theme" id="{62F939B6-93AF-4DB8-9C6B-D6C7DFDC589F}" vid="{4A3C46E8-61CC-4603-A589-7422A47A8E4A}"/>
+      <thm15:themeFamily xmlns="" xmlns:thm15="http://schemas.microsoft.com/office/thememl/2012/main" name="Office Theme" id="{62F939B6-93AF-4DB8-9C6B-D6C7DFDC589F}" vid="{4A3C46E8-61CC-4603-A589-7422A47A8E4A}"/>
     </a:ext>
   </a:extLst>
 </a:theme>

--- a/Mybatis流程.pptx
+++ b/Mybatis流程.pptx
@@ -6,8 +6,8 @@
   </p:sldMasterIdLst>
   <p:sldIdLst>
     <p:sldId id="256" r:id="rId2"/>
-    <p:sldId id="260" r:id="rId3"/>
-    <p:sldId id="259" r:id="rId4"/>
+    <p:sldId id="259" r:id="rId3"/>
+    <p:sldId id="260" r:id="rId4"/>
     <p:sldId id="258" r:id="rId5"/>
     <p:sldId id="263" r:id="rId6"/>
     <p:sldId id="261" r:id="rId7"/>
@@ -112,7 +112,18 @@
   </p:defaultTextStyle>
   <p:extLst>
     <p:ext uri="{EFAFB233-063F-42B5-8137-9DF3F51BA10A}">
-      <p15:sldGuideLst xmlns="" xmlns:p15="http://schemas.microsoft.com/office/powerpoint/2012/main"/>
+      <p15:sldGuideLst xmlns:p15="http://schemas.microsoft.com/office/powerpoint/2012/main">
+        <p15:guide id="1" orient="horz" pos="2160">
+          <p15:clr>
+            <a:srgbClr val="A4A3A4"/>
+          </p15:clr>
+        </p15:guide>
+        <p15:guide id="2" pos="3840">
+          <p15:clr>
+            <a:srgbClr val="A4A3A4"/>
+          </p15:clr>
+        </p15:guide>
+      </p15:sldGuideLst>
     </p:ext>
   </p:extLst>
 </p:presentation>
@@ -249,7 +260,7 @@
           <a:p>
             <a:fld id="{05EA976F-0BB7-49DC-81B3-20B2445FC5D9}" type="datetimeFigureOut">
               <a:rPr lang="zh-CN" altLang="en-US" smtClean="0"/>
-              <a:t>2019/9/14</a:t>
+              <a:t>2019/9/18</a:t>
             </a:fld>
             <a:endParaRPr lang="zh-CN" altLang="en-US"/>
           </a:p>
@@ -419,7 +430,7 @@
           <a:p>
             <a:fld id="{05EA976F-0BB7-49DC-81B3-20B2445FC5D9}" type="datetimeFigureOut">
               <a:rPr lang="zh-CN" altLang="en-US" smtClean="0"/>
-              <a:t>2019/9/14</a:t>
+              <a:t>2019/9/18</a:t>
             </a:fld>
             <a:endParaRPr lang="zh-CN" altLang="en-US"/>
           </a:p>
@@ -599,7 +610,7 @@
           <a:p>
             <a:fld id="{05EA976F-0BB7-49DC-81B3-20B2445FC5D9}" type="datetimeFigureOut">
               <a:rPr lang="zh-CN" altLang="en-US" smtClean="0"/>
-              <a:t>2019/9/14</a:t>
+              <a:t>2019/9/18</a:t>
             </a:fld>
             <a:endParaRPr lang="zh-CN" altLang="en-US"/>
           </a:p>
@@ -769,7 +780,7 @@
           <a:p>
             <a:fld id="{05EA976F-0BB7-49DC-81B3-20B2445FC5D9}" type="datetimeFigureOut">
               <a:rPr lang="zh-CN" altLang="en-US" smtClean="0"/>
-              <a:t>2019/9/14</a:t>
+              <a:t>2019/9/18</a:t>
             </a:fld>
             <a:endParaRPr lang="zh-CN" altLang="en-US"/>
           </a:p>
@@ -1015,7 +1026,7 @@
           <a:p>
             <a:fld id="{05EA976F-0BB7-49DC-81B3-20B2445FC5D9}" type="datetimeFigureOut">
               <a:rPr lang="zh-CN" altLang="en-US" smtClean="0"/>
-              <a:t>2019/9/14</a:t>
+              <a:t>2019/9/18</a:t>
             </a:fld>
             <a:endParaRPr lang="zh-CN" altLang="en-US"/>
           </a:p>
@@ -1247,7 +1258,7 @@
           <a:p>
             <a:fld id="{05EA976F-0BB7-49DC-81B3-20B2445FC5D9}" type="datetimeFigureOut">
               <a:rPr lang="zh-CN" altLang="en-US" smtClean="0"/>
-              <a:t>2019/9/14</a:t>
+              <a:t>2019/9/18</a:t>
             </a:fld>
             <a:endParaRPr lang="zh-CN" altLang="en-US"/>
           </a:p>
@@ -1614,7 +1625,7 @@
           <a:p>
             <a:fld id="{05EA976F-0BB7-49DC-81B3-20B2445FC5D9}" type="datetimeFigureOut">
               <a:rPr lang="zh-CN" altLang="en-US" smtClean="0"/>
-              <a:t>2019/9/14</a:t>
+              <a:t>2019/9/18</a:t>
             </a:fld>
             <a:endParaRPr lang="zh-CN" altLang="en-US"/>
           </a:p>
@@ -1732,7 +1743,7 @@
           <a:p>
             <a:fld id="{05EA976F-0BB7-49DC-81B3-20B2445FC5D9}" type="datetimeFigureOut">
               <a:rPr lang="zh-CN" altLang="en-US" smtClean="0"/>
-              <a:t>2019/9/14</a:t>
+              <a:t>2019/9/18</a:t>
             </a:fld>
             <a:endParaRPr lang="zh-CN" altLang="en-US"/>
           </a:p>
@@ -1827,7 +1838,7 @@
           <a:p>
             <a:fld id="{05EA976F-0BB7-49DC-81B3-20B2445FC5D9}" type="datetimeFigureOut">
               <a:rPr lang="zh-CN" altLang="en-US" smtClean="0"/>
-              <a:t>2019/9/14</a:t>
+              <a:t>2019/9/18</a:t>
             </a:fld>
             <a:endParaRPr lang="zh-CN" altLang="en-US"/>
           </a:p>
@@ -2104,7 +2115,7 @@
           <a:p>
             <a:fld id="{05EA976F-0BB7-49DC-81B3-20B2445FC5D9}" type="datetimeFigureOut">
               <a:rPr lang="zh-CN" altLang="en-US" smtClean="0"/>
-              <a:t>2019/9/14</a:t>
+              <a:t>2019/9/18</a:t>
             </a:fld>
             <a:endParaRPr lang="zh-CN" altLang="en-US"/>
           </a:p>
@@ -2357,7 +2368,7 @@
           <a:p>
             <a:fld id="{05EA976F-0BB7-49DC-81B3-20B2445FC5D9}" type="datetimeFigureOut">
               <a:rPr lang="zh-CN" altLang="en-US" smtClean="0"/>
-              <a:t>2019/9/14</a:t>
+              <a:t>2019/9/18</a:t>
             </a:fld>
             <a:endParaRPr lang="zh-CN" altLang="en-US"/>
           </a:p>
@@ -2570,7 +2581,7 @@
           <a:p>
             <a:fld id="{05EA976F-0BB7-49DC-81B3-20B2445FC5D9}" type="datetimeFigureOut">
               <a:rPr lang="zh-CN" altLang="en-US" smtClean="0"/>
-              <a:t>2019/9/14</a:t>
+              <a:t>2019/9/18</a:t>
             </a:fld>
             <a:endParaRPr lang="zh-CN" altLang="en-US"/>
           </a:p>
@@ -3081,6 +3092,106 @@
               <a:t>Mybatis</a:t>
             </a:r>
             <a:r>
+              <a:rPr lang="zh-CN" altLang="en-US" smtClean="0"/>
+              <a:t>执行流程</a:t>
+            </a:r>
+            <a:endParaRPr lang="zh-CN" altLang="en-US" dirty="0"/>
+          </a:p>
+        </p:txBody>
+      </p:sp>
+      <p:pic>
+        <p:nvPicPr>
+          <p:cNvPr id="1026" name="Picture 2" descr="https://img-blog.csdn.net/20180409190025329?watermark/2/text/aHR0cDovL2Jsb2cuY3Nkbi5uZXQvbHVDaGVuSA==/font/5a6L5L2T/fontsize/400/fill/I0JBQkFCMA==/dissolve/70/gravity/SouthEast"/>
+          <p:cNvPicPr>
+            <a:picLocks noGrp="1" noChangeAspect="1" noChangeArrowheads="1"/>
+          </p:cNvPicPr>
+          <p:nvPr>
+            <p:ph idx="1"/>
+          </p:nvPr>
+        </p:nvPicPr>
+        <p:blipFill>
+          <a:blip r:embed="rId2">
+            <a:extLst>
+              <a:ext uri="{28A0092B-C50C-407E-A947-70E740481C1C}">
+                <a14:useLocalDpi xmlns:a14="http://schemas.microsoft.com/office/drawing/2010/main" val="0"/>
+              </a:ext>
+            </a:extLst>
+          </a:blip>
+          <a:srcRect/>
+          <a:stretch>
+            <a:fillRect/>
+          </a:stretch>
+        </p:blipFill>
+        <p:spPr bwMode="auto">
+          <a:xfrm>
+            <a:off x="838200" y="2719870"/>
+            <a:ext cx="10515600" cy="2562847"/>
+          </a:xfrm>
+          <a:prstGeom prst="rect">
+            <a:avLst/>
+          </a:prstGeom>
+          <a:noFill/>
+          <a:extLst>
+            <a:ext uri="{909E8E84-426E-40DD-AFC4-6F175D3DCCD1}">
+              <a14:hiddenFill xmlns:a14="http://schemas.microsoft.com/office/drawing/2010/main">
+                <a:solidFill>
+                  <a:srgbClr val="FFFFFF"/>
+                </a:solidFill>
+              </a14:hiddenFill>
+            </a:ext>
+          </a:extLst>
+        </p:spPr>
+      </p:pic>
+    </p:spTree>
+    <p:extLst>
+      <p:ext uri="{BB962C8B-B14F-4D97-AF65-F5344CB8AC3E}">
+        <p14:creationId xmlns:p14="http://schemas.microsoft.com/office/powerpoint/2010/main" val="2946932140"/>
+      </p:ext>
+    </p:extLst>
+  </p:cSld>
+  <p:clrMapOvr>
+    <a:masterClrMapping/>
+  </p:clrMapOvr>
+</p:sld>
+</file>
+
+<file path=ppt/slides/slide3.xml><?xml version="1.0" encoding="utf-8"?>
+<p:sld xmlns:a="http://schemas.openxmlformats.org/drawingml/2006/main" xmlns:r="http://schemas.openxmlformats.org/officeDocument/2006/relationships" xmlns:p="http://schemas.openxmlformats.org/presentationml/2006/main">
+  <p:cSld>
+    <p:spTree>
+      <p:nvGrpSpPr>
+        <p:cNvPr id="1" name=""/>
+        <p:cNvGrpSpPr/>
+        <p:nvPr/>
+      </p:nvGrpSpPr>
+      <p:grpSpPr>
+        <a:xfrm>
+          <a:off x="0" y="0"/>
+          <a:ext cx="0" cy="0"/>
+          <a:chOff x="0" y="0"/>
+          <a:chExt cx="0" cy="0"/>
+        </a:xfrm>
+      </p:grpSpPr>
+      <p:sp>
+        <p:nvSpPr>
+          <p:cNvPr id="2" name="标题 1"/>
+          <p:cNvSpPr>
+            <a:spLocks noGrp="1"/>
+          </p:cNvSpPr>
+          <p:nvPr>
+            <p:ph type="title"/>
+          </p:nvPr>
+        </p:nvSpPr>
+        <p:spPr/>
+        <p:txBody>
+          <a:bodyPr/>
+          <a:lstStyle/>
+          <a:p>
+            <a:r>
+              <a:rPr lang="en-US" altLang="zh-CN" dirty="0" err="1" smtClean="0"/>
+              <a:t>Mybatis</a:t>
+            </a:r>
+            <a:r>
               <a:rPr lang="zh-CN" altLang="en-US" dirty="0"/>
               <a:t>架构</a:t>
             </a:r>
@@ -3134,106 +3245,6 @@
     <p:extLst>
       <p:ext uri="{BB962C8B-B14F-4D97-AF65-F5344CB8AC3E}">
         <p14:creationId xmlns:p14="http://schemas.microsoft.com/office/powerpoint/2010/main" val="2748424743"/>
-      </p:ext>
-    </p:extLst>
-  </p:cSld>
-  <p:clrMapOvr>
-    <a:masterClrMapping/>
-  </p:clrMapOvr>
-</p:sld>
-</file>
-
-<file path=ppt/slides/slide3.xml><?xml version="1.0" encoding="utf-8"?>
-<p:sld xmlns:a="http://schemas.openxmlformats.org/drawingml/2006/main" xmlns:r="http://schemas.openxmlformats.org/officeDocument/2006/relationships" xmlns:p="http://schemas.openxmlformats.org/presentationml/2006/main">
-  <p:cSld>
-    <p:spTree>
-      <p:nvGrpSpPr>
-        <p:cNvPr id="1" name=""/>
-        <p:cNvGrpSpPr/>
-        <p:nvPr/>
-      </p:nvGrpSpPr>
-      <p:grpSpPr>
-        <a:xfrm>
-          <a:off x="0" y="0"/>
-          <a:ext cx="0" cy="0"/>
-          <a:chOff x="0" y="0"/>
-          <a:chExt cx="0" cy="0"/>
-        </a:xfrm>
-      </p:grpSpPr>
-      <p:sp>
-        <p:nvSpPr>
-          <p:cNvPr id="2" name="标题 1"/>
-          <p:cNvSpPr>
-            <a:spLocks noGrp="1"/>
-          </p:cNvSpPr>
-          <p:nvPr>
-            <p:ph type="title"/>
-          </p:nvPr>
-        </p:nvSpPr>
-        <p:spPr/>
-        <p:txBody>
-          <a:bodyPr/>
-          <a:lstStyle/>
-          <a:p>
-            <a:r>
-              <a:rPr lang="en-US" altLang="zh-CN" dirty="0" err="1" smtClean="0"/>
-              <a:t>Mybatis</a:t>
-            </a:r>
-            <a:r>
-              <a:rPr lang="zh-CN" altLang="en-US" dirty="0" smtClean="0"/>
-              <a:t>運行流程</a:t>
-            </a:r>
-            <a:endParaRPr lang="zh-CN" altLang="en-US" dirty="0"/>
-          </a:p>
-        </p:txBody>
-      </p:sp>
-      <p:pic>
-        <p:nvPicPr>
-          <p:cNvPr id="1026" name="Picture 2" descr="https://img-blog.csdn.net/20180409190025329?watermark/2/text/aHR0cDovL2Jsb2cuY3Nkbi5uZXQvbHVDaGVuSA==/font/5a6L5L2T/fontsize/400/fill/I0JBQkFCMA==/dissolve/70/gravity/SouthEast"/>
-          <p:cNvPicPr>
-            <a:picLocks noGrp="1" noChangeAspect="1" noChangeArrowheads="1"/>
-          </p:cNvPicPr>
-          <p:nvPr>
-            <p:ph idx="1"/>
-          </p:nvPr>
-        </p:nvPicPr>
-        <p:blipFill>
-          <a:blip r:embed="rId2">
-            <a:extLst>
-              <a:ext uri="{28A0092B-C50C-407E-A947-70E740481C1C}">
-                <a14:useLocalDpi xmlns:a14="http://schemas.microsoft.com/office/drawing/2010/main" val="0"/>
-              </a:ext>
-            </a:extLst>
-          </a:blip>
-          <a:srcRect/>
-          <a:stretch>
-            <a:fillRect/>
-          </a:stretch>
-        </p:blipFill>
-        <p:spPr bwMode="auto">
-          <a:xfrm>
-            <a:off x="838200" y="2719870"/>
-            <a:ext cx="10515600" cy="2562847"/>
-          </a:xfrm>
-          <a:prstGeom prst="rect">
-            <a:avLst/>
-          </a:prstGeom>
-          <a:noFill/>
-          <a:extLst>
-            <a:ext uri="{909E8E84-426E-40DD-AFC4-6F175D3DCCD1}">
-              <a14:hiddenFill xmlns:a14="http://schemas.microsoft.com/office/drawing/2010/main">
-                <a:solidFill>
-                  <a:srgbClr val="FFFFFF"/>
-                </a:solidFill>
-              </a14:hiddenFill>
-            </a:ext>
-          </a:extLst>
-        </p:spPr>
-      </p:pic>
-    </p:spTree>
-    <p:extLst>
-      <p:ext uri="{BB962C8B-B14F-4D97-AF65-F5344CB8AC3E}">
-        <p14:creationId xmlns:p14="http://schemas.microsoft.com/office/powerpoint/2010/main" val="2946932140"/>
       </p:ext>
     </p:extLst>
   </p:cSld>
@@ -4285,7 +4296,7 @@
   <a:extraClrSchemeLst/>
   <a:extLst>
     <a:ext uri="{05A4C25C-085E-4340-85A3-A5531E510DB2}">
-      <thm15:themeFamily xmlns="" xmlns:thm15="http://schemas.microsoft.com/office/thememl/2012/main" name="Office Theme" id="{62F939B6-93AF-4DB8-9C6B-D6C7DFDC589F}" vid="{4A3C46E8-61CC-4603-A589-7422A47A8E4A}"/>
+      <thm15:themeFamily xmlns:thm15="http://schemas.microsoft.com/office/thememl/2012/main" name="Office Theme" id="{62F939B6-93AF-4DB8-9C6B-D6C7DFDC589F}" vid="{4A3C46E8-61CC-4603-A589-7422A47A8E4A}"/>
     </a:ext>
   </a:extLst>
 </a:theme>
